--- a/455DS-Ch02_DataFrames.pptx
+++ b/455DS-Ch02_DataFrames.pptx
@@ -288,7 +288,7 @@
                 <a:ea typeface="Tahoma" pitchFamily="34" charset="0"/>
                 <a:cs typeface="Tahoma" pitchFamily="34" charset="0"/>
               </a:rPr>
-              <a:t>455DE: Spark for Data Engineers</a:t>
+              <a:t>455DS: Spark for Data Scientists</a:t>
             </a:r>
           </a:p>
         </p:txBody>
@@ -810,7 +810,7 @@
                 </a:solidFill>
                 <a:latin typeface="Tahoma" pitchFamily="34" charset="0"/>
               </a:rPr>
-              <a:t>455DE: Spark for Data Engineers</a:t>
+              <a:t>455DS: Spark for Data Scientists</a:t>
             </a:r>
           </a:p>
         </p:txBody>
@@ -6899,7 +6899,7 @@
                 <a:ea typeface="Tahoma" panose="020B0604030504040204" pitchFamily="34" charset="0"/>
                 <a:cs typeface="Tahoma" panose="020B0604030504040204" pitchFamily="34" charset="0"/>
               </a:rPr>
-              <a:t>455DE: Spark for Data Engineers</a:t>
+              <a:t>455DS: Spark for Data Scientists</a:t>
             </a:r>
           </a:p>
         </p:txBody>
@@ -7504,7 +7504,7 @@
           <a:p>
             <a:r>
               <a:rPr lang="en-US" dirty="0"/>
-              <a:t>Spark for Data Engineers</a:t>
+              <a:t>Spark for Data Scientists</a:t>
             </a:r>
           </a:p>
         </p:txBody>
@@ -12400,6 +12400,29 @@
 </file>
 
 <file path=customXml/item1.xml><?xml version="1.0" encoding="utf-8"?>
+<p:properties xmlns:p="http://schemas.microsoft.com/office/2006/metadata/properties" xmlns:xsi="http://www.w3.org/2001/XMLSchema-instance" xmlns:pc="http://schemas.microsoft.com/office/infopath/2007/PartnerControls">
+  <documentManagement>
+    <_dlc_DocId xmlns="037063e9-a85e-4c78-8627-f1a9315663e5">EVEA5JW6U4JV-6-9770</_dlc_DocId>
+    <_dlc_DocIdUrl xmlns="037063e9-a85e-4c78-8627-f1a9315663e5">
+      <Url>https://portal.roitraining.com/Courses/_layouts/DocIdRedir.aspx?ID=EVEA5JW6U4JV-6-9770</Url>
+      <Description>EVEA5JW6U4JV-6-9770</Description>
+    </_dlc_DocIdUrl>
+    <Date_x0020_last_x0020_used xmlns="027ed24f-5970-4294-be5c-0919c5aaa214" xsi:nil="true"/>
+    <Customization_x0020_Information xmlns="027ed24f-5970-4294-be5c-0919c5aaa214" xsi:nil="true"/>
+  </documentManagement>
+</p:properties>
+</file>
+
+<file path=customXml/item2.xml><?xml version="1.0" encoding="utf-8"?>
+<?mso-contentType ?>
+<FormTemplates xmlns="http://schemas.microsoft.com/sharepoint/v3/contenttype/forms">
+  <Display>DocumentLibraryForm</Display>
+  <Edit>DocumentLibraryForm</Edit>
+  <New>DocumentLibraryForm</New>
+</FormTemplates>
+</file>
+
+<file path=customXml/item3.xml><?xml version="1.0" encoding="utf-8"?>
 <?mso-contentType ?>
 <spe:Receivers xmlns:spe="http://schemas.microsoft.com/sharepoint/events">
   <Receiver>
@@ -12443,29 +12466,6 @@
     <Filter/>
   </Receiver>
 </spe:Receivers>
-</file>
-
-<file path=customXml/item2.xml><?xml version="1.0" encoding="utf-8"?>
-<?mso-contentType ?>
-<FormTemplates xmlns="http://schemas.microsoft.com/sharepoint/v3/contenttype/forms">
-  <Display>DocumentLibraryForm</Display>
-  <Edit>DocumentLibraryForm</Edit>
-  <New>DocumentLibraryForm</New>
-</FormTemplates>
-</file>
-
-<file path=customXml/item3.xml><?xml version="1.0" encoding="utf-8"?>
-<p:properties xmlns:p="http://schemas.microsoft.com/office/2006/metadata/properties" xmlns:xsi="http://www.w3.org/2001/XMLSchema-instance" xmlns:pc="http://schemas.microsoft.com/office/infopath/2007/PartnerControls">
-  <documentManagement>
-    <_dlc_DocId xmlns="037063e9-a85e-4c78-8627-f1a9315663e5">EVEA5JW6U4JV-6-9770</_dlc_DocId>
-    <_dlc_DocIdUrl xmlns="037063e9-a85e-4c78-8627-f1a9315663e5">
-      <Url>https://portal.roitraining.com/Courses/_layouts/DocIdRedir.aspx?ID=EVEA5JW6U4JV-6-9770</Url>
-      <Description>EVEA5JW6U4JV-6-9770</Description>
-    </_dlc_DocIdUrl>
-    <Date_x0020_last_x0020_used xmlns="027ed24f-5970-4294-be5c-0919c5aaa214" xsi:nil="true"/>
-    <Customization_x0020_Information xmlns="027ed24f-5970-4294-be5c-0919c5aaa214" xsi:nil="true"/>
-  </documentManagement>
-</p:properties>
 </file>
 
 <file path=customXml/item4.xml><?xml version="1.0" encoding="utf-8"?>
@@ -12635,9 +12635,18 @@
 </file>
 
 <file path=customXml/itemProps1.xml><?xml version="1.0" encoding="utf-8"?>
-<ds:datastoreItem xmlns:ds="http://schemas.openxmlformats.org/officeDocument/2006/customXml" ds:itemID="{B9043294-8302-4947-B882-02D6486F929C}">
+<ds:datastoreItem xmlns:ds="http://schemas.openxmlformats.org/officeDocument/2006/customXml" ds:itemID="{F47B9207-CE5C-49AD-B414-15CBFA246D65}">
   <ds:schemaRefs>
-    <ds:schemaRef ds:uri="http://schemas.microsoft.com/sharepoint/events"/>
+    <ds:schemaRef ds:uri="http://purl.org/dc/terms/"/>
+    <ds:schemaRef ds:uri="037063e9-a85e-4c78-8627-f1a9315663e5"/>
+    <ds:schemaRef ds:uri="http://schemas.microsoft.com/office/2006/documentManagement/types"/>
+    <ds:schemaRef ds:uri="http://schemas.microsoft.com/office/infopath/2007/PartnerControls"/>
+    <ds:schemaRef ds:uri="http://purl.org/dc/elements/1.1/"/>
+    <ds:schemaRef ds:uri="http://schemas.microsoft.com/office/2006/metadata/properties"/>
+    <ds:schemaRef ds:uri="http://schemas.openxmlformats.org/package/2006/metadata/core-properties"/>
+    <ds:schemaRef ds:uri="027ed24f-5970-4294-be5c-0919c5aaa214"/>
+    <ds:schemaRef ds:uri="http://www.w3.org/XML/1998/namespace"/>
+    <ds:schemaRef ds:uri="http://purl.org/dc/dcmitype/"/>
   </ds:schemaRefs>
 </ds:datastoreItem>
 </file>
@@ -12651,18 +12660,9 @@
 </file>
 
 <file path=customXml/itemProps3.xml><?xml version="1.0" encoding="utf-8"?>
-<ds:datastoreItem xmlns:ds="http://schemas.openxmlformats.org/officeDocument/2006/customXml" ds:itemID="{F47B9207-CE5C-49AD-B414-15CBFA246D65}">
+<ds:datastoreItem xmlns:ds="http://schemas.openxmlformats.org/officeDocument/2006/customXml" ds:itemID="{B9043294-8302-4947-B882-02D6486F929C}">
   <ds:schemaRefs>
-    <ds:schemaRef ds:uri="http://purl.org/dc/terms/"/>
-    <ds:schemaRef ds:uri="037063e9-a85e-4c78-8627-f1a9315663e5"/>
-    <ds:schemaRef ds:uri="http://schemas.microsoft.com/office/2006/documentManagement/types"/>
-    <ds:schemaRef ds:uri="http://schemas.microsoft.com/office/infopath/2007/PartnerControls"/>
-    <ds:schemaRef ds:uri="http://purl.org/dc/elements/1.1/"/>
-    <ds:schemaRef ds:uri="http://schemas.microsoft.com/office/2006/metadata/properties"/>
-    <ds:schemaRef ds:uri="http://schemas.openxmlformats.org/package/2006/metadata/core-properties"/>
-    <ds:schemaRef ds:uri="027ed24f-5970-4294-be5c-0919c5aaa214"/>
-    <ds:schemaRef ds:uri="http://www.w3.org/XML/1998/namespace"/>
-    <ds:schemaRef ds:uri="http://purl.org/dc/dcmitype/"/>
+    <ds:schemaRef ds:uri="http://schemas.microsoft.com/sharepoint/events"/>
   </ds:schemaRefs>
 </ds:datastoreItem>
 </file>

--- a/455DS-Ch02_DataFrames.pptx
+++ b/455DS-Ch02_DataFrames.pptx
@@ -8851,7 +8851,21 @@
                 <a:latin typeface="Courier New" panose="02070309020205020404" pitchFamily="49" charset="0"/>
                 <a:cs typeface="Courier New" panose="02070309020205020404" pitchFamily="49" charset="0"/>
               </a:rPr>
-              <a:t>json spark.read.json(filename)df.write.json(file)</a:t>
+              <a:t>json spark.read.json(filename)     </a:t>
+            </a:r>
+            <a:r>
+              <a:rPr lang="en-US" dirty="0" err="1">
+                <a:latin typeface="Courier New" panose="02070309020205020404" pitchFamily="49" charset="0"/>
+                <a:cs typeface="Courier New" panose="02070309020205020404" pitchFamily="49" charset="0"/>
+              </a:rPr>
+              <a:t>df.write.json</a:t>
+            </a:r>
+            <a:r>
+              <a:rPr lang="en-US" dirty="0">
+                <a:latin typeface="Courier New" panose="02070309020205020404" pitchFamily="49" charset="0"/>
+                <a:cs typeface="Courier New" panose="02070309020205020404" pitchFamily="49" charset="0"/>
+              </a:rPr>
+              <a:t>(file)</a:t>
             </a:r>
           </a:p>
           <a:p>
@@ -8861,7 +8875,21 @@
                 <a:latin typeface="Courier New" panose="02070309020205020404" pitchFamily="49" charset="0"/>
                 <a:cs typeface="Courier New" panose="02070309020205020404" pitchFamily="49" charset="0"/>
               </a:rPr>
-              <a:t>orc  spark.read.orc(filename) df.write.orc(file)</a:t>
+              <a:t>orc  spark.read.orc(filename)      </a:t>
+            </a:r>
+            <a:r>
+              <a:rPr lang="en-US" dirty="0" err="1">
+                <a:latin typeface="Courier New" panose="02070309020205020404" pitchFamily="49" charset="0"/>
+                <a:cs typeface="Courier New" panose="02070309020205020404" pitchFamily="49" charset="0"/>
+              </a:rPr>
+              <a:t>df.write.orc</a:t>
+            </a:r>
+            <a:r>
+              <a:rPr lang="en-US" dirty="0">
+                <a:latin typeface="Courier New" panose="02070309020205020404" pitchFamily="49" charset="0"/>
+                <a:cs typeface="Courier New" panose="02070309020205020404" pitchFamily="49" charset="0"/>
+              </a:rPr>
+              <a:t>(file)</a:t>
             </a:r>
           </a:p>
           <a:p>
@@ -8871,7 +8899,21 @@
                 <a:latin typeface="Courier New" panose="02070309020205020404" pitchFamily="49" charset="0"/>
                 <a:cs typeface="Courier New" panose="02070309020205020404" pitchFamily="49" charset="0"/>
               </a:rPr>
-              <a:t>parquet spark.read.parquet(file) df.write.parquet(file)</a:t>
+              <a:t>parquet spark.read.parquet(file)   </a:t>
+            </a:r>
+            <a:r>
+              <a:rPr lang="en-US" dirty="0" err="1">
+                <a:latin typeface="Courier New" panose="02070309020205020404" pitchFamily="49" charset="0"/>
+                <a:cs typeface="Courier New" panose="02070309020205020404" pitchFamily="49" charset="0"/>
+              </a:rPr>
+              <a:t>df.write.parquet</a:t>
+            </a:r>
+            <a:r>
+              <a:rPr lang="en-US" dirty="0">
+                <a:latin typeface="Courier New" panose="02070309020205020404" pitchFamily="49" charset="0"/>
+                <a:cs typeface="Courier New" panose="02070309020205020404" pitchFamily="49" charset="0"/>
+              </a:rPr>
+              <a:t>(file)</a:t>
             </a:r>
           </a:p>
           <a:p>
@@ -8881,7 +8923,21 @@
                 <a:latin typeface="Courier New" panose="02070309020205020404" pitchFamily="49" charset="0"/>
                 <a:cs typeface="Courier New" panose="02070309020205020404" pitchFamily="49" charset="0"/>
               </a:rPr>
-              <a:t>text  spark.read.text(file) df.write.text(file)</a:t>
+              <a:t>text  spark.read.text(file</a:t>
+            </a:r>
+            <a:r>
+              <a:rPr lang="en-US">
+                <a:latin typeface="Courier New" panose="02070309020205020404" pitchFamily="49" charset="0"/>
+                <a:cs typeface="Courier New" panose="02070309020205020404" pitchFamily="49" charset="0"/>
+              </a:rPr>
+              <a:t>)        df</a:t>
+            </a:r>
+            <a:r>
+              <a:rPr lang="en-US" dirty="0">
+                <a:latin typeface="Courier New" panose="02070309020205020404" pitchFamily="49" charset="0"/>
+                <a:cs typeface="Courier New" panose="02070309020205020404" pitchFamily="49" charset="0"/>
+              </a:rPr>
+              <a:t>.write.text(file)</a:t>
             </a:r>
           </a:p>
           <a:p>
@@ -8939,11 +8995,18 @@
               <a:buNone/>
             </a:pPr>
             <a:r>
+              <a:rPr lang="en-US" sz="1600" dirty="0" err="1">
+                <a:latin typeface="Courier New" panose="02070309020205020404" pitchFamily="49" charset="0"/>
+                <a:cs typeface="Courier New" panose="02070309020205020404" pitchFamily="49" charset="0"/>
+              </a:rPr>
+              <a:t>spark.read.format</a:t>
+            </a:r>
+            <a:r>
               <a:rPr lang="en-US" sz="1600" dirty="0">
                 <a:latin typeface="Courier New" panose="02070309020205020404" pitchFamily="49" charset="0"/>
                 <a:cs typeface="Courier New" panose="02070309020205020404" pitchFamily="49" charset="0"/>
               </a:rPr>
-              <a:t>sqlContext.read.format("org.apache.spark.sql.cassandra").options(table = table_name, keyspace = keys_space_name).load()</a:t>
+              <a:t>("org.apache.spark.sql.cassandra").options(table = table_name, keyspace = keys_space_name).load()</a:t>
             </a:r>
             <a:endParaRPr lang="en-US" dirty="0">
               <a:latin typeface="Courier New" panose="02070309020205020404" pitchFamily="49" charset="0"/>
@@ -12400,29 +12463,6 @@
 </file>
 
 <file path=customXml/item1.xml><?xml version="1.0" encoding="utf-8"?>
-<p:properties xmlns:p="http://schemas.microsoft.com/office/2006/metadata/properties" xmlns:xsi="http://www.w3.org/2001/XMLSchema-instance" xmlns:pc="http://schemas.microsoft.com/office/infopath/2007/PartnerControls">
-  <documentManagement>
-    <_dlc_DocId xmlns="037063e9-a85e-4c78-8627-f1a9315663e5">EVEA5JW6U4JV-6-9770</_dlc_DocId>
-    <_dlc_DocIdUrl xmlns="037063e9-a85e-4c78-8627-f1a9315663e5">
-      <Url>https://portal.roitraining.com/Courses/_layouts/DocIdRedir.aspx?ID=EVEA5JW6U4JV-6-9770</Url>
-      <Description>EVEA5JW6U4JV-6-9770</Description>
-    </_dlc_DocIdUrl>
-    <Date_x0020_last_x0020_used xmlns="027ed24f-5970-4294-be5c-0919c5aaa214" xsi:nil="true"/>
-    <Customization_x0020_Information xmlns="027ed24f-5970-4294-be5c-0919c5aaa214" xsi:nil="true"/>
-  </documentManagement>
-</p:properties>
-</file>
-
-<file path=customXml/item2.xml><?xml version="1.0" encoding="utf-8"?>
-<?mso-contentType ?>
-<FormTemplates xmlns="http://schemas.microsoft.com/sharepoint/v3/contenttype/forms">
-  <Display>DocumentLibraryForm</Display>
-  <Edit>DocumentLibraryForm</Edit>
-  <New>DocumentLibraryForm</New>
-</FormTemplates>
-</file>
-
-<file path=customXml/item3.xml><?xml version="1.0" encoding="utf-8"?>
 <?mso-contentType ?>
 <spe:Receivers xmlns:spe="http://schemas.microsoft.com/sharepoint/events">
   <Receiver>
@@ -12466,6 +12506,29 @@
     <Filter/>
   </Receiver>
 </spe:Receivers>
+</file>
+
+<file path=customXml/item2.xml><?xml version="1.0" encoding="utf-8"?>
+<?mso-contentType ?>
+<FormTemplates xmlns="http://schemas.microsoft.com/sharepoint/v3/contenttype/forms">
+  <Display>DocumentLibraryForm</Display>
+  <Edit>DocumentLibraryForm</Edit>
+  <New>DocumentLibraryForm</New>
+</FormTemplates>
+</file>
+
+<file path=customXml/item3.xml><?xml version="1.0" encoding="utf-8"?>
+<p:properties xmlns:p="http://schemas.microsoft.com/office/2006/metadata/properties" xmlns:xsi="http://www.w3.org/2001/XMLSchema-instance" xmlns:pc="http://schemas.microsoft.com/office/infopath/2007/PartnerControls">
+  <documentManagement>
+    <_dlc_DocId xmlns="037063e9-a85e-4c78-8627-f1a9315663e5">EVEA5JW6U4JV-6-9770</_dlc_DocId>
+    <_dlc_DocIdUrl xmlns="037063e9-a85e-4c78-8627-f1a9315663e5">
+      <Url>https://portal.roitraining.com/Courses/_layouts/DocIdRedir.aspx?ID=EVEA5JW6U4JV-6-9770</Url>
+      <Description>EVEA5JW6U4JV-6-9770</Description>
+    </_dlc_DocIdUrl>
+    <Date_x0020_last_x0020_used xmlns="027ed24f-5970-4294-be5c-0919c5aaa214" xsi:nil="true"/>
+    <Customization_x0020_Information xmlns="027ed24f-5970-4294-be5c-0919c5aaa214" xsi:nil="true"/>
+  </documentManagement>
+</p:properties>
 </file>
 
 <file path=customXml/item4.xml><?xml version="1.0" encoding="utf-8"?>
@@ -12635,18 +12698,9 @@
 </file>
 
 <file path=customXml/itemProps1.xml><?xml version="1.0" encoding="utf-8"?>
-<ds:datastoreItem xmlns:ds="http://schemas.openxmlformats.org/officeDocument/2006/customXml" ds:itemID="{F47B9207-CE5C-49AD-B414-15CBFA246D65}">
+<ds:datastoreItem xmlns:ds="http://schemas.openxmlformats.org/officeDocument/2006/customXml" ds:itemID="{B9043294-8302-4947-B882-02D6486F929C}">
   <ds:schemaRefs>
-    <ds:schemaRef ds:uri="http://purl.org/dc/terms/"/>
-    <ds:schemaRef ds:uri="037063e9-a85e-4c78-8627-f1a9315663e5"/>
-    <ds:schemaRef ds:uri="http://schemas.microsoft.com/office/2006/documentManagement/types"/>
-    <ds:schemaRef ds:uri="http://schemas.microsoft.com/office/infopath/2007/PartnerControls"/>
-    <ds:schemaRef ds:uri="http://purl.org/dc/elements/1.1/"/>
-    <ds:schemaRef ds:uri="http://schemas.microsoft.com/office/2006/metadata/properties"/>
-    <ds:schemaRef ds:uri="http://schemas.openxmlformats.org/package/2006/metadata/core-properties"/>
-    <ds:schemaRef ds:uri="027ed24f-5970-4294-be5c-0919c5aaa214"/>
-    <ds:schemaRef ds:uri="http://www.w3.org/XML/1998/namespace"/>
-    <ds:schemaRef ds:uri="http://purl.org/dc/dcmitype/"/>
+    <ds:schemaRef ds:uri="http://schemas.microsoft.com/sharepoint/events"/>
   </ds:schemaRefs>
 </ds:datastoreItem>
 </file>
@@ -12660,9 +12714,18 @@
 </file>
 
 <file path=customXml/itemProps3.xml><?xml version="1.0" encoding="utf-8"?>
-<ds:datastoreItem xmlns:ds="http://schemas.openxmlformats.org/officeDocument/2006/customXml" ds:itemID="{B9043294-8302-4947-B882-02D6486F929C}">
+<ds:datastoreItem xmlns:ds="http://schemas.openxmlformats.org/officeDocument/2006/customXml" ds:itemID="{F47B9207-CE5C-49AD-B414-15CBFA246D65}">
   <ds:schemaRefs>
-    <ds:schemaRef ds:uri="http://schemas.microsoft.com/sharepoint/events"/>
+    <ds:schemaRef ds:uri="http://purl.org/dc/terms/"/>
+    <ds:schemaRef ds:uri="037063e9-a85e-4c78-8627-f1a9315663e5"/>
+    <ds:schemaRef ds:uri="http://schemas.microsoft.com/office/2006/documentManagement/types"/>
+    <ds:schemaRef ds:uri="http://schemas.microsoft.com/office/infopath/2007/PartnerControls"/>
+    <ds:schemaRef ds:uri="http://purl.org/dc/elements/1.1/"/>
+    <ds:schemaRef ds:uri="http://schemas.microsoft.com/office/2006/metadata/properties"/>
+    <ds:schemaRef ds:uri="http://schemas.openxmlformats.org/package/2006/metadata/core-properties"/>
+    <ds:schemaRef ds:uri="027ed24f-5970-4294-be5c-0919c5aaa214"/>
+    <ds:schemaRef ds:uri="http://www.w3.org/XML/1998/namespace"/>
+    <ds:schemaRef ds:uri="http://purl.org/dc/dcmitype/"/>
   </ds:schemaRefs>
 </ds:datastoreItem>
 </file>

--- a/455DS-Ch02_DataFrames.pptx
+++ b/455DS-Ch02_DataFrames.pptx
@@ -8851,21 +8851,7 @@
                 <a:latin typeface="Courier New" panose="02070309020205020404" pitchFamily="49" charset="0"/>
                 <a:cs typeface="Courier New" panose="02070309020205020404" pitchFamily="49" charset="0"/>
               </a:rPr>
-              <a:t>json spark.read.json(filename)     </a:t>
-            </a:r>
-            <a:r>
-              <a:rPr lang="en-US" dirty="0" err="1">
-                <a:latin typeface="Courier New" panose="02070309020205020404" pitchFamily="49" charset="0"/>
-                <a:cs typeface="Courier New" panose="02070309020205020404" pitchFamily="49" charset="0"/>
-              </a:rPr>
-              <a:t>df.write.json</a:t>
-            </a:r>
-            <a:r>
-              <a:rPr lang="en-US" dirty="0">
-                <a:latin typeface="Courier New" panose="02070309020205020404" pitchFamily="49" charset="0"/>
-                <a:cs typeface="Courier New" panose="02070309020205020404" pitchFamily="49" charset="0"/>
-              </a:rPr>
-              <a:t>(file)</a:t>
+              <a:t>json spark.read.json(filename)     df.write.json(file)</a:t>
             </a:r>
           </a:p>
           <a:p>
@@ -8875,21 +8861,7 @@
                 <a:latin typeface="Courier New" panose="02070309020205020404" pitchFamily="49" charset="0"/>
                 <a:cs typeface="Courier New" panose="02070309020205020404" pitchFamily="49" charset="0"/>
               </a:rPr>
-              <a:t>orc  spark.read.orc(filename)      </a:t>
-            </a:r>
-            <a:r>
-              <a:rPr lang="en-US" dirty="0" err="1">
-                <a:latin typeface="Courier New" panose="02070309020205020404" pitchFamily="49" charset="0"/>
-                <a:cs typeface="Courier New" panose="02070309020205020404" pitchFamily="49" charset="0"/>
-              </a:rPr>
-              <a:t>df.write.orc</a:t>
-            </a:r>
-            <a:r>
-              <a:rPr lang="en-US" dirty="0">
-                <a:latin typeface="Courier New" panose="02070309020205020404" pitchFamily="49" charset="0"/>
-                <a:cs typeface="Courier New" panose="02070309020205020404" pitchFamily="49" charset="0"/>
-              </a:rPr>
-              <a:t>(file)</a:t>
+              <a:t>orc spark.read.orc(filename)       df.write.orc(file)</a:t>
             </a:r>
           </a:p>
           <a:p>
@@ -8899,21 +8871,7 @@
                 <a:latin typeface="Courier New" panose="02070309020205020404" pitchFamily="49" charset="0"/>
                 <a:cs typeface="Courier New" panose="02070309020205020404" pitchFamily="49" charset="0"/>
               </a:rPr>
-              <a:t>parquet spark.read.parquet(file)   </a:t>
-            </a:r>
-            <a:r>
-              <a:rPr lang="en-US" dirty="0" err="1">
-                <a:latin typeface="Courier New" panose="02070309020205020404" pitchFamily="49" charset="0"/>
-                <a:cs typeface="Courier New" panose="02070309020205020404" pitchFamily="49" charset="0"/>
-              </a:rPr>
-              <a:t>df.write.parquet</a:t>
-            </a:r>
-            <a:r>
-              <a:rPr lang="en-US" dirty="0">
-                <a:latin typeface="Courier New" panose="02070309020205020404" pitchFamily="49" charset="0"/>
-                <a:cs typeface="Courier New" panose="02070309020205020404" pitchFamily="49" charset="0"/>
-              </a:rPr>
-              <a:t>(file)</a:t>
+              <a:t>parquet spark.read.parquet(file)   df.write.parquet(file)</a:t>
             </a:r>
           </a:p>
           <a:p>
@@ -8923,21 +8881,7 @@
                 <a:latin typeface="Courier New" panose="02070309020205020404" pitchFamily="49" charset="0"/>
                 <a:cs typeface="Courier New" panose="02070309020205020404" pitchFamily="49" charset="0"/>
               </a:rPr>
-              <a:t>text  spark.read.text(file</a:t>
-            </a:r>
-            <a:r>
-              <a:rPr lang="en-US">
-                <a:latin typeface="Courier New" panose="02070309020205020404" pitchFamily="49" charset="0"/>
-                <a:cs typeface="Courier New" panose="02070309020205020404" pitchFamily="49" charset="0"/>
-              </a:rPr>
-              <a:t>)        df</a:t>
-            </a:r>
-            <a:r>
-              <a:rPr lang="en-US" dirty="0">
-                <a:latin typeface="Courier New" panose="02070309020205020404" pitchFamily="49" charset="0"/>
-                <a:cs typeface="Courier New" panose="02070309020205020404" pitchFamily="49" charset="0"/>
-              </a:rPr>
-              <a:t>.write.text(file)</a:t>
+              <a:t>text spark.read.text(file)         df.write.text(file)</a:t>
             </a:r>
           </a:p>
           <a:p>
@@ -8995,18 +8939,11 @@
               <a:buNone/>
             </a:pPr>
             <a:r>
-              <a:rPr lang="en-US" sz="1600" dirty="0" err="1">
-                <a:latin typeface="Courier New" panose="02070309020205020404" pitchFamily="49" charset="0"/>
-                <a:cs typeface="Courier New" panose="02070309020205020404" pitchFamily="49" charset="0"/>
-              </a:rPr>
-              <a:t>spark.read.format</a:t>
-            </a:r>
-            <a:r>
               <a:rPr lang="en-US" sz="1600" dirty="0">
                 <a:latin typeface="Courier New" panose="02070309020205020404" pitchFamily="49" charset="0"/>
                 <a:cs typeface="Courier New" panose="02070309020205020404" pitchFamily="49" charset="0"/>
               </a:rPr>
-              <a:t>("org.apache.spark.sql.cassandra").options(table = table_name, keyspace = keys_space_name).load()</a:t>
+              <a:t>spark.read.format("org.apache.spark.sql.cassandra").options(table = table_name, keyspace = keys_space_name).load()</a:t>
             </a:r>
             <a:endParaRPr lang="en-US" dirty="0">
               <a:latin typeface="Courier New" panose="02070309020205020404" pitchFamily="49" charset="0"/>
@@ -11144,21 +11081,7 @@
                 <a:latin typeface="Courier New" panose="02070309020205020404" pitchFamily="49" charset="0"/>
                 <a:cs typeface="Courier New" panose="02070309020205020404" pitchFamily="49" charset="0"/>
               </a:rPr>
-              <a:t>df2 = </a:t>
-            </a:r>
-            <a:r>
-              <a:rPr lang="en-US" dirty="0" err="1">
-                <a:latin typeface="Courier New" panose="02070309020205020404" pitchFamily="49" charset="0"/>
-                <a:cs typeface="Courier New" panose="02070309020205020404" pitchFamily="49" charset="0"/>
-              </a:rPr>
-              <a:t>df.withColumn</a:t>
-            </a:r>
-            <a:r>
-              <a:rPr lang="en-US" dirty="0">
-                <a:latin typeface="Courier New" panose="02070309020205020404" pitchFamily="49" charset="0"/>
-                <a:cs typeface="Courier New" panose="02070309020205020404" pitchFamily="49" charset="0"/>
-              </a:rPr>
-              <a:t>('Discount', df.Amount * .03)</a:t>
+              <a:t>df2 = df.withColumn('Discount', df.Amount * .03)</a:t>
             </a:r>
             <a:br>
               <a:rPr lang="en-US" dirty="0">
@@ -12464,6 +12387,15 @@
 
 <file path=customXml/item1.xml><?xml version="1.0" encoding="utf-8"?>
 <?mso-contentType ?>
+<FormTemplates xmlns="http://schemas.microsoft.com/sharepoint/v3/contenttype/forms">
+  <Display>DocumentLibraryForm</Display>
+  <Edit>DocumentLibraryForm</Edit>
+  <New>DocumentLibraryForm</New>
+</FormTemplates>
+</file>
+
+<file path=customXml/item2.xml><?xml version="1.0" encoding="utf-8"?>
+<?mso-contentType ?>
 <spe:Receivers xmlns:spe="http://schemas.microsoft.com/sharepoint/events">
   <Receiver>
     <Name>Document ID Generator</Name>
@@ -12508,30 +12440,7 @@
 </spe:Receivers>
 </file>
 
-<file path=customXml/item2.xml><?xml version="1.0" encoding="utf-8"?>
-<?mso-contentType ?>
-<FormTemplates xmlns="http://schemas.microsoft.com/sharepoint/v3/contenttype/forms">
-  <Display>DocumentLibraryForm</Display>
-  <Edit>DocumentLibraryForm</Edit>
-  <New>DocumentLibraryForm</New>
-</FormTemplates>
-</file>
-
 <file path=customXml/item3.xml><?xml version="1.0" encoding="utf-8"?>
-<p:properties xmlns:p="http://schemas.microsoft.com/office/2006/metadata/properties" xmlns:xsi="http://www.w3.org/2001/XMLSchema-instance" xmlns:pc="http://schemas.microsoft.com/office/infopath/2007/PartnerControls">
-  <documentManagement>
-    <_dlc_DocId xmlns="037063e9-a85e-4c78-8627-f1a9315663e5">EVEA5JW6U4JV-6-9770</_dlc_DocId>
-    <_dlc_DocIdUrl xmlns="037063e9-a85e-4c78-8627-f1a9315663e5">
-      <Url>https://portal.roitraining.com/Courses/_layouts/DocIdRedir.aspx?ID=EVEA5JW6U4JV-6-9770</Url>
-      <Description>EVEA5JW6U4JV-6-9770</Description>
-    </_dlc_DocIdUrl>
-    <Date_x0020_last_x0020_used xmlns="027ed24f-5970-4294-be5c-0919c5aaa214" xsi:nil="true"/>
-    <Customization_x0020_Information xmlns="027ed24f-5970-4294-be5c-0919c5aaa214" xsi:nil="true"/>
-  </documentManagement>
-</p:properties>
-</file>
-
-<file path=customXml/item4.xml><?xml version="1.0" encoding="utf-8"?>
 <ct:contentTypeSchema xmlns:ct="http://schemas.microsoft.com/office/2006/metadata/contentType" xmlns:ma="http://schemas.microsoft.com/office/2006/metadata/properties/metaAttributes" ct:_="" ma:_="" ma:contentTypeName="Document" ma:contentTypeID="0x0101006B08A054FD435346B287BB258D6D8C2A" ma:contentTypeVersion="2" ma:contentTypeDescription="Create a new document." ma:contentTypeScope="" ma:versionID="6146b90b4382322d8952632f355192b7">
   <xsd:schema xmlns:xsd="http://www.w3.org/2001/XMLSchema" xmlns:xs="http://www.w3.org/2001/XMLSchema" xmlns:p="http://schemas.microsoft.com/office/2006/metadata/properties" xmlns:ns2="027ed24f-5970-4294-be5c-0919c5aaa214" xmlns:ns3="037063e9-a85e-4c78-8627-f1a9315663e5" targetNamespace="http://schemas.microsoft.com/office/2006/metadata/properties" ma:root="true" ma:fieldsID="b5d91f802dafd2e22aeea528efbe2d3e" ns2:_="" ns3:_="">
     <xsd:import namespace="027ed24f-5970-4294-be5c-0919c5aaa214"/>
@@ -12697,7 +12606,29 @@
 </ct:contentTypeSchema>
 </file>
 
+<file path=customXml/item4.xml><?xml version="1.0" encoding="utf-8"?>
+<p:properties xmlns:p="http://schemas.microsoft.com/office/2006/metadata/properties" xmlns:xsi="http://www.w3.org/2001/XMLSchema-instance" xmlns:pc="http://schemas.microsoft.com/office/infopath/2007/PartnerControls">
+  <documentManagement>
+    <_dlc_DocId xmlns="037063e9-a85e-4c78-8627-f1a9315663e5">EVEA5JW6U4JV-6-9770</_dlc_DocId>
+    <_dlc_DocIdUrl xmlns="037063e9-a85e-4c78-8627-f1a9315663e5">
+      <Url>https://portal.roitraining.com/Courses/_layouts/DocIdRedir.aspx?ID=EVEA5JW6U4JV-6-9770</Url>
+      <Description>EVEA5JW6U4JV-6-9770</Description>
+    </_dlc_DocIdUrl>
+    <Date_x0020_last_x0020_used xmlns="027ed24f-5970-4294-be5c-0919c5aaa214" xsi:nil="true"/>
+    <Customization_x0020_Information xmlns="027ed24f-5970-4294-be5c-0919c5aaa214" xsi:nil="true"/>
+  </documentManagement>
+</p:properties>
+</file>
+
 <file path=customXml/itemProps1.xml><?xml version="1.0" encoding="utf-8"?>
+<ds:datastoreItem xmlns:ds="http://schemas.openxmlformats.org/officeDocument/2006/customXml" ds:itemID="{2DA015F3-603C-4688-A5F3-81D587DAB8C9}">
+  <ds:schemaRefs>
+    <ds:schemaRef ds:uri="http://schemas.microsoft.com/sharepoint/v3/contenttype/forms"/>
+  </ds:schemaRefs>
+</ds:datastoreItem>
+</file>
+
+<file path=customXml/itemProps2.xml><?xml version="1.0" encoding="utf-8"?>
 <ds:datastoreItem xmlns:ds="http://schemas.openxmlformats.org/officeDocument/2006/customXml" ds:itemID="{B9043294-8302-4947-B882-02D6486F929C}">
   <ds:schemaRefs>
     <ds:schemaRef ds:uri="http://schemas.microsoft.com/sharepoint/events"/>
@@ -12705,32 +12636,7 @@
 </ds:datastoreItem>
 </file>
 
-<file path=customXml/itemProps2.xml><?xml version="1.0" encoding="utf-8"?>
-<ds:datastoreItem xmlns:ds="http://schemas.openxmlformats.org/officeDocument/2006/customXml" ds:itemID="{2DA015F3-603C-4688-A5F3-81D587DAB8C9}">
-  <ds:schemaRefs>
-    <ds:schemaRef ds:uri="http://schemas.microsoft.com/sharepoint/v3/contenttype/forms"/>
-  </ds:schemaRefs>
-</ds:datastoreItem>
-</file>
-
 <file path=customXml/itemProps3.xml><?xml version="1.0" encoding="utf-8"?>
-<ds:datastoreItem xmlns:ds="http://schemas.openxmlformats.org/officeDocument/2006/customXml" ds:itemID="{F47B9207-CE5C-49AD-B414-15CBFA246D65}">
-  <ds:schemaRefs>
-    <ds:schemaRef ds:uri="http://purl.org/dc/terms/"/>
-    <ds:schemaRef ds:uri="037063e9-a85e-4c78-8627-f1a9315663e5"/>
-    <ds:schemaRef ds:uri="http://schemas.microsoft.com/office/2006/documentManagement/types"/>
-    <ds:schemaRef ds:uri="http://schemas.microsoft.com/office/infopath/2007/PartnerControls"/>
-    <ds:schemaRef ds:uri="http://purl.org/dc/elements/1.1/"/>
-    <ds:schemaRef ds:uri="http://schemas.microsoft.com/office/2006/metadata/properties"/>
-    <ds:schemaRef ds:uri="http://schemas.openxmlformats.org/package/2006/metadata/core-properties"/>
-    <ds:schemaRef ds:uri="027ed24f-5970-4294-be5c-0919c5aaa214"/>
-    <ds:schemaRef ds:uri="http://www.w3.org/XML/1998/namespace"/>
-    <ds:schemaRef ds:uri="http://purl.org/dc/dcmitype/"/>
-  </ds:schemaRefs>
-</ds:datastoreItem>
-</file>
-
-<file path=customXml/itemProps4.xml><?xml version="1.0" encoding="utf-8"?>
 <ds:datastoreItem xmlns:ds="http://schemas.openxmlformats.org/officeDocument/2006/customXml" ds:itemID="{B8E0886B-5092-4138-9EEE-28D3BFD5A483}">
   <ds:schemaRefs>
     <ds:schemaRef ds:uri="http://schemas.microsoft.com/office/2006/metadata/contentType"/>
@@ -12747,4 +12653,21 @@
     <ds:schemaRef ds:uri="http://schemas.microsoft.com/internal/obd"/>
   </ds:schemaRefs>
 </ds:datastoreItem>
+</file>
+
+<file path=customXml/itemProps4.xml><?xml version="1.0" encoding="utf-8"?>
+<ds:datastoreItem xmlns:ds="http://schemas.openxmlformats.org/officeDocument/2006/customXml" ds:itemID="{F47B9207-CE5C-49AD-B414-15CBFA246D65}">
+  <ds:schemaRefs>
+    <ds:schemaRef ds:uri="http://schemas.microsoft.com/office/infopath/2007/PartnerControls"/>
+    <ds:schemaRef ds:uri="http://schemas.microsoft.com/office/2006/documentManagement/types"/>
+    <ds:schemaRef ds:uri="http://schemas.microsoft.com/office/2006/metadata/properties"/>
+    <ds:schemaRef ds:uri="http://purl.org/dc/elements/1.1/"/>
+    <ds:schemaRef ds:uri="037063e9-a85e-4c78-8627-f1a9315663e5"/>
+    <ds:schemaRef ds:uri="http://schemas.openxmlformats.org/package/2006/metadata/core-properties"/>
+    <ds:schemaRef ds:uri="http://purl.org/dc/terms/"/>
+    <ds:schemaRef ds:uri="027ed24f-5970-4294-be5c-0919c5aaa214"/>
+    <ds:schemaRef ds:uri="http://www.w3.org/XML/1998/namespace"/>
+    <ds:schemaRef ds:uri="http://purl.org/dc/dcmitype/"/>
+  </ds:schemaRefs>
+</ds:datastoreItem>
 </file>